--- a/Day5_Programing_with_QISKIT/Day5.pptx
+++ b/Day5_Programing_with_QISKIT/Day5.pptx
@@ -120,6 +120,7 @@
 <file path=ppt/revisionInfo.xml><?xml version="1.0" encoding="utf-8"?>
 <p1510:revInfo xmlns:a="http://schemas.openxmlformats.org/drawingml/2006/main" xmlns:r="http://schemas.openxmlformats.org/officeDocument/2006/relationships" xmlns:p1510="http://schemas.microsoft.com/office/powerpoint/2015/10/main">
   <p1510:revLst>
+    <p1510:client id="{678419F2-15F4-204F-6383-8A34E29E3682}" v="53" dt="2021-01-11T07:37:09.593"/>
     <p1510:client id="{94BF9399-6376-5990-F72B-3A2200F22C39}" v="39" dt="2020-10-03T08:07:06.197"/>
     <p1510:client id="{9E699A52-A1AF-948F-94C5-F070DEE713B7}" v="1278" dt="2020-10-03T09:07:54.497"/>
     <p1510:client id="{F939A714-14F6-D54E-FAEF-8B8FCDA157E5}" v="33" dt="2020-10-03T11:24:48.946"/>
@@ -365,7 +366,7 @@
           <a:p>
             <a:fld id="{ED291B17-9318-49DB-B28B-6E5994AE9581}" type="datetime1">
               <a:rPr lang="en-US" smtClean="0"/>
-              <a:t>10/3/2020</a:t>
+              <a:t>1/10/2021</a:t>
             </a:fld>
             <a:endParaRPr lang="en-US" dirty="0"/>
           </a:p>
@@ -568,7 +569,7 @@
           <a:p>
             <a:fld id="{2CED4963-E985-44C4-B8C4-FDD613B7C2F8}" type="datetime1">
               <a:rPr lang="en-US" smtClean="0"/>
-              <a:t>10/3/2020</a:t>
+              <a:t>1/10/2021</a:t>
             </a:fld>
             <a:endParaRPr lang="en-US" dirty="0"/>
           </a:p>
@@ -930,7 +931,7 @@
           <a:p>
             <a:fld id="{ED291B17-9318-49DB-B28B-6E5994AE9581}" type="datetime1">
               <a:rPr lang="en-US" smtClean="0"/>
-              <a:t>10/3/2020</a:t>
+              <a:t>1/10/2021</a:t>
             </a:fld>
             <a:endParaRPr lang="en-US" dirty="0"/>
           </a:p>
@@ -1134,7 +1135,7 @@
           <a:p>
             <a:fld id="{846CE7D5-CF57-46EF-B807-FDD0502418D4}" type="datetimeFigureOut">
               <a:rPr lang="en-US" smtClean="0"/>
-              <a:t>10/3/2020</a:t>
+              <a:t>1/10/2021</a:t>
             </a:fld>
             <a:endParaRPr lang="en-US"/>
           </a:p>
@@ -1304,7 +1305,7 @@
           <a:p>
             <a:fld id="{846CE7D5-CF57-46EF-B807-FDD0502418D4}" type="datetimeFigureOut">
               <a:rPr lang="en-US" smtClean="0"/>
-              <a:t>10/3/2020</a:t>
+              <a:t>1/10/2021</a:t>
             </a:fld>
             <a:endParaRPr lang="en-US"/>
           </a:p>
@@ -1550,7 +1551,7 @@
           <a:p>
             <a:fld id="{846CE7D5-CF57-46EF-B807-FDD0502418D4}" type="datetimeFigureOut">
               <a:rPr lang="en-US" smtClean="0"/>
-              <a:t>10/3/2020</a:t>
+              <a:t>1/10/2021</a:t>
             </a:fld>
             <a:endParaRPr lang="en-US"/>
           </a:p>
@@ -1782,7 +1783,7 @@
           <a:p>
             <a:fld id="{846CE7D5-CF57-46EF-B807-FDD0502418D4}" type="datetimeFigureOut">
               <a:rPr lang="en-US" smtClean="0"/>
-              <a:t>10/3/2020</a:t>
+              <a:t>1/10/2021</a:t>
             </a:fld>
             <a:endParaRPr lang="en-US"/>
           </a:p>
@@ -2149,7 +2150,7 @@
           <a:p>
             <a:fld id="{846CE7D5-CF57-46EF-B807-FDD0502418D4}" type="datetimeFigureOut">
               <a:rPr lang="en-US" smtClean="0"/>
-              <a:t>10/3/2020</a:t>
+              <a:t>1/10/2021</a:t>
             </a:fld>
             <a:endParaRPr lang="en-US"/>
           </a:p>
@@ -2267,7 +2268,7 @@
           <a:p>
             <a:fld id="{846CE7D5-CF57-46EF-B807-FDD0502418D4}" type="datetimeFigureOut">
               <a:rPr lang="en-US" smtClean="0"/>
-              <a:t>10/3/2020</a:t>
+              <a:t>1/10/2021</a:t>
             </a:fld>
             <a:endParaRPr lang="en-US"/>
           </a:p>
@@ -2362,7 +2363,7 @@
           <a:p>
             <a:fld id="{846CE7D5-CF57-46EF-B807-FDD0502418D4}" type="datetimeFigureOut">
               <a:rPr lang="en-US" smtClean="0"/>
-              <a:t>10/3/2020</a:t>
+              <a:t>1/10/2021</a:t>
             </a:fld>
             <a:endParaRPr lang="en-US"/>
           </a:p>
@@ -2639,7 +2640,7 @@
           <a:p>
             <a:fld id="{846CE7D5-CF57-46EF-B807-FDD0502418D4}" type="datetimeFigureOut">
               <a:rPr lang="en-US" smtClean="0"/>
-              <a:t>10/3/2020</a:t>
+              <a:t>1/10/2021</a:t>
             </a:fld>
             <a:endParaRPr lang="en-US"/>
           </a:p>
@@ -2825,7 +2826,7 @@
           <a:p>
             <a:fld id="{78DD82B9-B8EE-4375-B6FF-88FA6ABB15D9}" type="datetime1">
               <a:rPr lang="en-US" smtClean="0"/>
-              <a:t>10/3/2020</a:t>
+              <a:t>1/10/2021</a:t>
             </a:fld>
             <a:endParaRPr lang="en-US" dirty="0"/>
           </a:p>
@@ -3094,7 +3095,7 @@
           <a:p>
             <a:fld id="{846CE7D5-CF57-46EF-B807-FDD0502418D4}" type="datetimeFigureOut">
               <a:rPr lang="en-US" smtClean="0"/>
-              <a:t>10/3/2020</a:t>
+              <a:t>1/10/2021</a:t>
             </a:fld>
             <a:endParaRPr lang="en-US"/>
           </a:p>
@@ -3264,7 +3265,7 @@
           <a:p>
             <a:fld id="{846CE7D5-CF57-46EF-B807-FDD0502418D4}" type="datetimeFigureOut">
               <a:rPr lang="en-US" smtClean="0"/>
-              <a:t>10/3/2020</a:t>
+              <a:t>1/10/2021</a:t>
             </a:fld>
             <a:endParaRPr lang="en-US"/>
           </a:p>
@@ -3444,7 +3445,7 @@
           <a:p>
             <a:fld id="{846CE7D5-CF57-46EF-B807-FDD0502418D4}" type="datetimeFigureOut">
               <a:rPr lang="en-US" smtClean="0"/>
-              <a:t>10/3/2020</a:t>
+              <a:t>1/10/2021</a:t>
             </a:fld>
             <a:endParaRPr lang="en-US"/>
           </a:p>
@@ -3744,7 +3745,7 @@
           <a:p>
             <a:fld id="{B2497495-0637-405E-AE64-5CC7506D51F5}" type="datetime1">
               <a:rPr lang="en-US" smtClean="0"/>
-              <a:t>10/3/2020</a:t>
+              <a:t>1/10/2021</a:t>
             </a:fld>
             <a:endParaRPr lang="en-US" dirty="0"/>
           </a:p>
@@ -3997,7 +3998,7 @@
           <a:p>
             <a:fld id="{7BFFD690-9426-415D-8B65-26881E07B2D4}" type="datetime1">
               <a:rPr lang="en-US" smtClean="0"/>
-              <a:t>10/3/2020</a:t>
+              <a:t>1/10/2021</a:t>
             </a:fld>
             <a:endParaRPr lang="en-US" dirty="0"/>
           </a:p>
@@ -4419,7 +4420,7 @@
           <a:p>
             <a:fld id="{04C4989A-474C-40DE-95B9-011C28B71673}" type="datetime1">
               <a:rPr lang="en-US" smtClean="0"/>
-              <a:t>10/3/2020</a:t>
+              <a:t>1/10/2021</a:t>
             </a:fld>
             <a:endParaRPr lang="en-US" dirty="0"/>
           </a:p>
@@ -4542,7 +4543,7 @@
           <a:p>
             <a:fld id="{5DB4ED54-5B5E-4A04-93D3-5772E3CE3818}" type="datetime1">
               <a:rPr lang="en-US" smtClean="0"/>
-              <a:t>10/3/2020</a:t>
+              <a:t>1/10/2021</a:t>
             </a:fld>
             <a:endParaRPr lang="en-US" dirty="0"/>
           </a:p>
@@ -4637,7 +4638,7 @@
           <a:p>
             <a:fld id="{4EDE50D6-574B-40AF-946F-D52A04ADE379}" type="datetime1">
               <a:rPr lang="en-US" smtClean="0"/>
-              <a:t>10/3/2020</a:t>
+              <a:t>1/10/2021</a:t>
             </a:fld>
             <a:endParaRPr lang="en-US" dirty="0"/>
           </a:p>
@@ -5014,7 +5015,7 @@
           <a:p>
             <a:fld id="{D82884F1-FFEA-405F-9602-3DCA865EDA4E}" type="datetime1">
               <a:rPr lang="en-US" smtClean="0"/>
-              <a:t>10/3/2020</a:t>
+              <a:t>1/10/2021</a:t>
             </a:fld>
             <a:endParaRPr lang="en-US" dirty="0"/>
           </a:p>
@@ -5307,7 +5308,7 @@
           <a:p>
             <a:fld id="{7E18DB4A-8810-4A10-AD5C-D5E2C667F5B3}" type="datetime1">
               <a:rPr lang="en-US" smtClean="0"/>
-              <a:t>10/3/2020</a:t>
+              <a:t>1/10/2021</a:t>
             </a:fld>
             <a:endParaRPr lang="en-US" dirty="0"/>
           </a:p>
@@ -5522,7 +5523,7 @@
           <a:p>
             <a:fld id="{ED291B17-9318-49DB-B28B-6E5994AE9581}" type="datetime1">
               <a:rPr lang="en-US" smtClean="0"/>
-              <a:t>10/3/2020</a:t>
+              <a:t>1/10/2021</a:t>
             </a:fld>
             <a:endParaRPr lang="en-US" dirty="0"/>
           </a:p>
@@ -6301,7 +6302,7 @@
           <a:p>
             <a:fld id="{846CE7D5-CF57-46EF-B807-FDD0502418D4}" type="datetimeFigureOut">
               <a:rPr lang="en-US" smtClean="0"/>
-              <a:t>10/3/2020</a:t>
+              <a:t>1/10/2021</a:t>
             </a:fld>
             <a:endParaRPr lang="en-US"/>
           </a:p>
@@ -6942,8 +6943,8 @@
         </p:nvSpPr>
         <p:spPr>
           <a:xfrm>
-            <a:off x="965200" y="5066048"/>
-            <a:ext cx="10225530" cy="1053308"/>
+            <a:off x="965200" y="5057084"/>
+            <a:ext cx="4129530" cy="1062272"/>
           </a:xfrm>
         </p:spPr>
         <p:txBody>
@@ -6960,32 +6961,9 @@
                 <a:ea typeface="+mn-lt"/>
                 <a:cs typeface="+mn-lt"/>
               </a:rPr>
-              <a:t>QUANTUM COMPUTATION COMMUNITY </a:t>
-            </a:r>
-            <a:endParaRPr lang="en-US" sz="1800">
-              <a:solidFill>
-                <a:schemeClr val="bg1"/>
-              </a:solidFill>
-              <a:ea typeface="+mn-lt"/>
-              <a:cs typeface="+mn-lt"/>
-            </a:endParaRPr>
-          </a:p>
-          <a:p>
-            <a:r>
-              <a:rPr lang="en-US" sz="1800">
-                <a:solidFill>
-                  <a:schemeClr val="bg1"/>
-                </a:solidFill>
-                <a:ea typeface="+mn-lt"/>
-                <a:cs typeface="+mn-lt"/>
-              </a:rPr>
-              <a:t>IISER-K </a:t>
-            </a:r>
-            <a:endParaRPr lang="en-US" sz="1800">
-              <a:solidFill>
-                <a:schemeClr val="bg1"/>
-              </a:solidFill>
-            </a:endParaRPr>
+              <a:t>Introduction to quantum computation</a:t>
+            </a:r>
+            <a:endParaRPr lang="en-US" dirty="0"/>
           </a:p>
         </p:txBody>
       </p:sp>
